--- a/aws/desafio1- dynamodb com aws cli/dynamodb/desafio1-evidencia-dynamodb.pptx
+++ b/aws/desafio1- dynamodb com aws cli/dynamodb/desafio1-evidencia-dynamodb.pptx
@@ -6372,31 +6372,6 @@
               <a:rPr lang="en-US" sz="4000" dirty="0"/>
               <a:t> com DynamoDB</a:t>
             </a:r>
-          </a:p>
-        </p:txBody>
-      </p:sp>
-      <p:sp>
-        <p:nvSpPr>
-          <p:cNvPr id="7" name="Subtitle 6">
-            <a:extLst>
-              <a:ext uri="{FF2B5EF4-FFF2-40B4-BE49-F238E27FC236}">
-                <a16:creationId xmlns:a16="http://schemas.microsoft.com/office/drawing/2014/main" id="{B135E9AE-16AA-52FD-DB6D-9CC1BAF5C7D0}"/>
-              </a:ext>
-            </a:extLst>
-          </p:cNvPr>
-          <p:cNvSpPr>
-            <a:spLocks noGrp="1"/>
-          </p:cNvSpPr>
-          <p:nvPr>
-            <p:ph type="subTitle" idx="1"/>
-          </p:nvPr>
-        </p:nvSpPr>
-        <p:spPr/>
-        <p:txBody>
-          <a:bodyPr/>
-          <a:lstStyle/>
-          <a:p>
-            <a:endParaRPr lang="pt-BR"/>
           </a:p>
         </p:txBody>
       </p:sp>
